--- a/Dokumente/Zwischenstand zum 2012 04 21 (2).pptx
+++ b/Dokumente/Zwischenstand zum 2012 04 21 (2).pptx
@@ -5,7 +5,7 @@
     <p:sldMasterId id="2147483648" r:id="rId1"/>
   </p:sldMasterIdLst>
   <p:notesMasterIdLst>
-    <p:notesMasterId r:id="rId28"/>
+    <p:notesMasterId r:id="rId29"/>
   </p:notesMasterIdLst>
   <p:sldIdLst>
     <p:sldId id="256" r:id="rId2"/>
@@ -24,16 +24,17 @@
     <p:sldId id="278" r:id="rId15"/>
     <p:sldId id="268" r:id="rId16"/>
     <p:sldId id="273" r:id="rId17"/>
-    <p:sldId id="269" r:id="rId18"/>
-    <p:sldId id="279" r:id="rId19"/>
-    <p:sldId id="274" r:id="rId20"/>
-    <p:sldId id="271" r:id="rId21"/>
-    <p:sldId id="272" r:id="rId22"/>
-    <p:sldId id="282" r:id="rId23"/>
-    <p:sldId id="266" r:id="rId24"/>
-    <p:sldId id="280" r:id="rId25"/>
-    <p:sldId id="270" r:id="rId26"/>
-    <p:sldId id="281" r:id="rId27"/>
+    <p:sldId id="283" r:id="rId18"/>
+    <p:sldId id="269" r:id="rId19"/>
+    <p:sldId id="279" r:id="rId20"/>
+    <p:sldId id="274" r:id="rId21"/>
+    <p:sldId id="271" r:id="rId22"/>
+    <p:sldId id="272" r:id="rId23"/>
+    <p:sldId id="282" r:id="rId24"/>
+    <p:sldId id="266" r:id="rId25"/>
+    <p:sldId id="280" r:id="rId26"/>
+    <p:sldId id="270" r:id="rId27"/>
+    <p:sldId id="281" r:id="rId28"/>
   </p:sldIdLst>
   <p:sldSz cx="9144000" cy="6858000" type="screen4x3"/>
   <p:notesSz cx="6858000" cy="9144000"/>
@@ -1218,18 +1219,18 @@
     </dgm:pt>
   </dgm:ptLst>
   <dgm:cxnLst>
+    <dgm:cxn modelId="{617BCB0C-0558-407B-91AB-B68DE64BB2AA}" type="presOf" srcId="{944B7687-9390-4A1A-858A-D031F080161B}" destId="{756AB1AC-5B51-4BBE-B2B1-6ABFB74C10C9}" srcOrd="0" destOrd="0" presId="urn:microsoft.com/office/officeart/2005/8/layout/bProcess2"/>
+    <dgm:cxn modelId="{4D2D03B2-4767-452A-A48D-FF809EF37E3B}" srcId="{2076FC96-6453-4C6E-A8B1-022AF85EFBBD}" destId="{3A8DBD30-33F4-4BF2-A3E8-CE2DB89DAAF3}" srcOrd="1" destOrd="0" parTransId="{CEAC2244-9C24-451F-BB9E-136E8D8A7A0B}" sibTransId="{63BBCC2C-BF04-4F97-9FC9-0D509448B1C6}"/>
+    <dgm:cxn modelId="{184BC419-765C-4FE3-8639-89B3ADAD51CC}" type="presOf" srcId="{D676ACFF-D864-4A74-BC08-FFF521911366}" destId="{FD93DD51-6B10-48A2-80F7-E1B001E1F8E7}" srcOrd="0" destOrd="0" presId="urn:microsoft.com/office/officeart/2005/8/layout/bProcess2"/>
+    <dgm:cxn modelId="{E10C5AF5-8470-4875-B217-C5D2EC0BEE27}" srcId="{2076FC96-6453-4C6E-A8B1-022AF85EFBBD}" destId="{9FFECB61-C811-496D-9F12-F63AD9A2D9EE}" srcOrd="2" destOrd="0" parTransId="{0267A443-BEBA-47C3-B13F-1D20BE53CED2}" sibTransId="{81593B52-C0C7-4699-A542-14EF6A552710}"/>
+    <dgm:cxn modelId="{C8AACADD-D549-4CF7-A7F5-D30EBB8F3E5F}" type="presOf" srcId="{63BBCC2C-BF04-4F97-9FC9-0D509448B1C6}" destId="{6E2E45EE-058C-4AFF-8701-838DE3D5016A}" srcOrd="0" destOrd="0" presId="urn:microsoft.com/office/officeart/2005/8/layout/bProcess2"/>
+    <dgm:cxn modelId="{DD228FCD-D43B-43E8-A775-DDFA3BD9C5C9}" type="presOf" srcId="{A2E957D4-B9A8-41E8-9B88-7B884721F996}" destId="{9AE0D100-B11F-4B8E-A83C-80C9BB67997D}" srcOrd="0" destOrd="0" presId="urn:microsoft.com/office/officeart/2005/8/layout/bProcess2"/>
     <dgm:cxn modelId="{7FD82852-08D4-4757-9905-796C75187633}" type="presOf" srcId="{81593B52-C0C7-4699-A542-14EF6A552710}" destId="{4B16C956-3F43-4F0C-851B-7BEF2A858E05}" srcOrd="0" destOrd="0" presId="urn:microsoft.com/office/officeart/2005/8/layout/bProcess2"/>
+    <dgm:cxn modelId="{1FE1A904-067A-4EB4-A1BB-EEBD65BBABD7}" type="presOf" srcId="{3A8DBD30-33F4-4BF2-A3E8-CE2DB89DAAF3}" destId="{AE9493EE-4C7D-46D0-A28C-7598159ACE40}" srcOrd="0" destOrd="0" presId="urn:microsoft.com/office/officeart/2005/8/layout/bProcess2"/>
+    <dgm:cxn modelId="{7BC55D47-D5B9-4E6B-A01C-32621EBC9EAA}" type="presOf" srcId="{2076FC96-6453-4C6E-A8B1-022AF85EFBBD}" destId="{4CB13BFB-EE5C-4952-BAC5-5317E8C7FD8A}" srcOrd="0" destOrd="0" presId="urn:microsoft.com/office/officeart/2005/8/layout/bProcess2"/>
     <dgm:cxn modelId="{C0F0325B-5D94-4F8F-A19C-E342385C7A0C}" srcId="{2076FC96-6453-4C6E-A8B1-022AF85EFBBD}" destId="{D676ACFF-D864-4A74-BC08-FFF521911366}" srcOrd="3" destOrd="0" parTransId="{BC2BCB5C-0572-4291-A81A-4826CA359DAE}" sibTransId="{1C262E3B-E95B-4C81-A044-204E3F83EF9F}"/>
     <dgm:cxn modelId="{7A1C7AB2-B278-4CD0-8D6D-33FAF07A3F85}" type="presOf" srcId="{9FFECB61-C811-496D-9F12-F63AD9A2D9EE}" destId="{EFBF5D05-10BD-4B08-8E78-F6A085231E0E}" srcOrd="0" destOrd="0" presId="urn:microsoft.com/office/officeart/2005/8/layout/bProcess2"/>
-    <dgm:cxn modelId="{4D2D03B2-4767-452A-A48D-FF809EF37E3B}" srcId="{2076FC96-6453-4C6E-A8B1-022AF85EFBBD}" destId="{3A8DBD30-33F4-4BF2-A3E8-CE2DB89DAAF3}" srcOrd="1" destOrd="0" parTransId="{CEAC2244-9C24-451F-BB9E-136E8D8A7A0B}" sibTransId="{63BBCC2C-BF04-4F97-9FC9-0D509448B1C6}"/>
-    <dgm:cxn modelId="{617BCB0C-0558-407B-91AB-B68DE64BB2AA}" type="presOf" srcId="{944B7687-9390-4A1A-858A-D031F080161B}" destId="{756AB1AC-5B51-4BBE-B2B1-6ABFB74C10C9}" srcOrd="0" destOrd="0" presId="urn:microsoft.com/office/officeart/2005/8/layout/bProcess2"/>
-    <dgm:cxn modelId="{184BC419-765C-4FE3-8639-89B3ADAD51CC}" type="presOf" srcId="{D676ACFF-D864-4A74-BC08-FFF521911366}" destId="{FD93DD51-6B10-48A2-80F7-E1B001E1F8E7}" srcOrd="0" destOrd="0" presId="urn:microsoft.com/office/officeart/2005/8/layout/bProcess2"/>
-    <dgm:cxn modelId="{C8AACADD-D549-4CF7-A7F5-D30EBB8F3E5F}" type="presOf" srcId="{63BBCC2C-BF04-4F97-9FC9-0D509448B1C6}" destId="{6E2E45EE-058C-4AFF-8701-838DE3D5016A}" srcOrd="0" destOrd="0" presId="urn:microsoft.com/office/officeart/2005/8/layout/bProcess2"/>
-    <dgm:cxn modelId="{DD228FCD-D43B-43E8-A775-DDFA3BD9C5C9}" type="presOf" srcId="{A2E957D4-B9A8-41E8-9B88-7B884721F996}" destId="{9AE0D100-B11F-4B8E-A83C-80C9BB67997D}" srcOrd="0" destOrd="0" presId="urn:microsoft.com/office/officeart/2005/8/layout/bProcess2"/>
-    <dgm:cxn modelId="{7BC55D47-D5B9-4E6B-A01C-32621EBC9EAA}" type="presOf" srcId="{2076FC96-6453-4C6E-A8B1-022AF85EFBBD}" destId="{4CB13BFB-EE5C-4952-BAC5-5317E8C7FD8A}" srcOrd="0" destOrd="0" presId="urn:microsoft.com/office/officeart/2005/8/layout/bProcess2"/>
     <dgm:cxn modelId="{39710712-6FE3-476F-A0BC-24F557686F14}" srcId="{2076FC96-6453-4C6E-A8B1-022AF85EFBBD}" destId="{944B7687-9390-4A1A-858A-D031F080161B}" srcOrd="0" destOrd="0" parTransId="{388F90D2-8549-4567-8828-34D75B5A1121}" sibTransId="{A2E957D4-B9A8-41E8-9B88-7B884721F996}"/>
-    <dgm:cxn modelId="{1FE1A904-067A-4EB4-A1BB-EEBD65BBABD7}" type="presOf" srcId="{3A8DBD30-33F4-4BF2-A3E8-CE2DB89DAAF3}" destId="{AE9493EE-4C7D-46D0-A28C-7598159ACE40}" srcOrd="0" destOrd="0" presId="urn:microsoft.com/office/officeart/2005/8/layout/bProcess2"/>
-    <dgm:cxn modelId="{E10C5AF5-8470-4875-B217-C5D2EC0BEE27}" srcId="{2076FC96-6453-4C6E-A8B1-022AF85EFBBD}" destId="{9FFECB61-C811-496D-9F12-F63AD9A2D9EE}" srcOrd="2" destOrd="0" parTransId="{0267A443-BEBA-47C3-B13F-1D20BE53CED2}" sibTransId="{81593B52-C0C7-4699-A542-14EF6A552710}"/>
     <dgm:cxn modelId="{AEAE39BD-4C94-41B0-8CE8-7BD544EC6AE1}" type="presParOf" srcId="{4CB13BFB-EE5C-4952-BAC5-5317E8C7FD8A}" destId="{756AB1AC-5B51-4BBE-B2B1-6ABFB74C10C9}" srcOrd="0" destOrd="0" presId="urn:microsoft.com/office/officeart/2005/8/layout/bProcess2"/>
     <dgm:cxn modelId="{749F995A-E309-412A-987F-CB1353CB2730}" type="presParOf" srcId="{4CB13BFB-EE5C-4952-BAC5-5317E8C7FD8A}" destId="{9AE0D100-B11F-4B8E-A83C-80C9BB67997D}" srcOrd="1" destOrd="0" presId="urn:microsoft.com/office/officeart/2005/8/layout/bProcess2"/>
     <dgm:cxn modelId="{2639D2DE-FB77-4886-AAFD-44C2A1A80029}" type="presParOf" srcId="{4CB13BFB-EE5C-4952-BAC5-5317E8C7FD8A}" destId="{A25C0F81-5BB3-4973-8F78-DEA3ED62347C}" srcOrd="2" destOrd="0" presId="urn:microsoft.com/office/officeart/2005/8/layout/bProcess2"/>
@@ -1246,14 +1247,14 @@
   <dgm:whole/>
   <dgm:extLst>
     <a:ext uri="http://schemas.microsoft.com/office/drawing/2008/diagram">
-      <dsp:dataModelExt xmlns:dsp="http://schemas.microsoft.com/office/drawing/2008/diagram" relId="rId7" minVer="http://schemas.openxmlformats.org/drawingml/2006/diagram"/>
+      <dsp:dataModelExt xmlns:dsp="http://schemas.microsoft.com/office/drawing/2008/diagram" xmlns="" relId="rId7" minVer="http://schemas.openxmlformats.org/drawingml/2006/diagram"/>
     </a:ext>
   </dgm:extLst>
 </dgm:dataModel>
 </file>
 
 <file path=ppt/diagrams/drawing1.xml><?xml version="1.0" encoding="utf-8"?>
-<dsp:drawing xmlns:dgm="http://schemas.openxmlformats.org/drawingml/2006/diagram" xmlns:dsp="http://schemas.microsoft.com/office/drawing/2008/diagram" xmlns:a="http://schemas.openxmlformats.org/drawingml/2006/main">
+<dsp:drawing xmlns:dgm="http://schemas.openxmlformats.org/drawingml/2006/diagram" xmlns:a="http://schemas.openxmlformats.org/drawingml/2006/main" xmlns:dsp="http://schemas.microsoft.com/office/drawing/2008/diagram">
   <dsp:spTree>
     <dsp:nvGrpSpPr>
       <dsp:cNvPr id="0" name=""/>
@@ -3283,7 +3284,7 @@
     </p:spTree>
     <p:extLst>
       <p:ext uri="{BB962C8B-B14F-4D97-AF65-F5344CB8AC3E}">
-        <p14:creationId xmlns:p14="http://schemas.microsoft.com/office/powerpoint/2010/main" val="1624034791"/>
+        <p14:creationId xmlns:p14="http://schemas.microsoft.com/office/powerpoint/2010/main" xmlns="" val="1624034791"/>
       </p:ext>
     </p:extLst>
   </p:cSld>
@@ -3537,7 +3538,7 @@
             <a:fld id="{1EBFF01C-F984-4A51-AF10-254043F7C542}" type="slidenum">
               <a:rPr lang="de-DE" smtClean="0"/>
               <a:pPr/>
-              <a:t>17</a:t>
+              <a:t>18</a:t>
             </a:fld>
             <a:endParaRPr lang="de-DE"/>
           </a:p>
@@ -3659,7 +3660,7 @@
             <a:fld id="{1EBFF01C-F984-4A51-AF10-254043F7C542}" type="slidenum">
               <a:rPr lang="de-DE" smtClean="0"/>
               <a:pPr/>
-              <a:t>18</a:t>
+              <a:t>19</a:t>
             </a:fld>
             <a:endParaRPr lang="de-DE"/>
           </a:p>
@@ -3872,7 +3873,222 @@
             <a:fld id="{1EBFF01C-F984-4A51-AF10-254043F7C542}" type="slidenum">
               <a:rPr lang="de-DE" smtClean="0"/>
               <a:pPr/>
-              <a:t>22</a:t>
+              <a:t>23</a:t>
+            </a:fld>
+            <a:endParaRPr lang="de-DE"/>
+          </a:p>
+        </p:txBody>
+      </p:sp>
+    </p:spTree>
+  </p:cSld>
+  <p:clrMapOvr>
+    <a:masterClrMapping/>
+  </p:clrMapOvr>
+</p:notes>
+</file>
+
+<file path=ppt/notesSlides/notesSlide5.xml><?xml version="1.0" encoding="utf-8"?>
+<p:notes xmlns:a="http://schemas.openxmlformats.org/drawingml/2006/main" xmlns:r="http://schemas.openxmlformats.org/officeDocument/2006/relationships" xmlns:p="http://schemas.openxmlformats.org/presentationml/2006/main">
+  <p:cSld>
+    <p:spTree>
+      <p:nvGrpSpPr>
+        <p:cNvPr id="1" name=""/>
+        <p:cNvGrpSpPr/>
+        <p:nvPr/>
+      </p:nvGrpSpPr>
+      <p:grpSpPr>
+        <a:xfrm>
+          <a:off x="0" y="0"/>
+          <a:ext cx="0" cy="0"/>
+          <a:chOff x="0" y="0"/>
+          <a:chExt cx="0" cy="0"/>
+        </a:xfrm>
+      </p:grpSpPr>
+      <p:sp>
+        <p:nvSpPr>
+          <p:cNvPr id="2" name="Folienbildplatzhalter 1"/>
+          <p:cNvSpPr>
+            <a:spLocks noGrp="1" noRot="1" noChangeAspect="1"/>
+          </p:cNvSpPr>
+          <p:nvPr>
+            <p:ph type="sldImg"/>
+          </p:nvPr>
+        </p:nvSpPr>
+        <p:spPr/>
+      </p:sp>
+      <p:sp>
+        <p:nvSpPr>
+          <p:cNvPr id="3" name="Notizenplatzhalter 2"/>
+          <p:cNvSpPr>
+            <a:spLocks noGrp="1"/>
+          </p:cNvSpPr>
+          <p:nvPr>
+            <p:ph type="body" idx="1"/>
+          </p:nvPr>
+        </p:nvSpPr>
+        <p:spPr/>
+        <p:txBody>
+          <a:bodyPr>
+            <a:normAutofit/>
+          </a:bodyPr>
+          <a:lstStyle/>
+          <a:p>
+            <a:r>
+              <a:rPr lang="de-DE" dirty="0" smtClean="0"/>
+              <a:t>Beispiel: Domänenklassendiagramm in</a:t>
+            </a:r>
+            <a:r>
+              <a:rPr lang="de-DE" baseline="0" dirty="0" smtClean="0"/>
+              <a:t> Anwendung gießen</a:t>
+            </a:r>
+          </a:p>
+          <a:p>
+            <a:r>
+              <a:rPr lang="de-DE" baseline="0" dirty="0" smtClean="0"/>
+              <a:t>Technische Mock-</a:t>
+            </a:r>
+            <a:r>
+              <a:rPr lang="de-DE" baseline="0" dirty="0" err="1" smtClean="0"/>
+              <a:t>Ups</a:t>
+            </a:r>
+            <a:r>
+              <a:rPr lang="de-DE" baseline="0" dirty="0" smtClean="0"/>
+              <a:t> im Browser zeigen</a:t>
+            </a:r>
+          </a:p>
+        </p:txBody>
+      </p:sp>
+      <p:sp>
+        <p:nvSpPr>
+          <p:cNvPr id="4" name="Foliennummernplatzhalter 3"/>
+          <p:cNvSpPr>
+            <a:spLocks noGrp="1"/>
+          </p:cNvSpPr>
+          <p:nvPr>
+            <p:ph type="sldNum" sz="quarter" idx="10"/>
+          </p:nvPr>
+        </p:nvSpPr>
+        <p:spPr/>
+        <p:txBody>
+          <a:bodyPr/>
+          <a:lstStyle/>
+          <a:p>
+            <a:fld id="{1EBFF01C-F984-4A51-AF10-254043F7C542}" type="slidenum">
+              <a:rPr lang="de-DE" smtClean="0"/>
+              <a:pPr/>
+              <a:t>26</a:t>
+            </a:fld>
+            <a:endParaRPr lang="de-DE"/>
+          </a:p>
+        </p:txBody>
+      </p:sp>
+    </p:spTree>
+  </p:cSld>
+  <p:clrMapOvr>
+    <a:masterClrMapping/>
+  </p:clrMapOvr>
+</p:notes>
+</file>
+
+<file path=ppt/notesSlides/notesSlide6.xml><?xml version="1.0" encoding="utf-8"?>
+<p:notes xmlns:a="http://schemas.openxmlformats.org/drawingml/2006/main" xmlns:r="http://schemas.openxmlformats.org/officeDocument/2006/relationships" xmlns:p="http://schemas.openxmlformats.org/presentationml/2006/main">
+  <p:cSld>
+    <p:spTree>
+      <p:nvGrpSpPr>
+        <p:cNvPr id="1" name=""/>
+        <p:cNvGrpSpPr/>
+        <p:nvPr/>
+      </p:nvGrpSpPr>
+      <p:grpSpPr>
+        <a:xfrm>
+          <a:off x="0" y="0"/>
+          <a:ext cx="0" cy="0"/>
+          <a:chOff x="0" y="0"/>
+          <a:chExt cx="0" cy="0"/>
+        </a:xfrm>
+      </p:grpSpPr>
+      <p:sp>
+        <p:nvSpPr>
+          <p:cNvPr id="2" name="Folienbildplatzhalter 1"/>
+          <p:cNvSpPr>
+            <a:spLocks noGrp="1" noRot="1" noChangeAspect="1"/>
+          </p:cNvSpPr>
+          <p:nvPr>
+            <p:ph type="sldImg"/>
+          </p:nvPr>
+        </p:nvSpPr>
+        <p:spPr/>
+      </p:sp>
+      <p:sp>
+        <p:nvSpPr>
+          <p:cNvPr id="3" name="Notizenplatzhalter 2"/>
+          <p:cNvSpPr>
+            <a:spLocks noGrp="1"/>
+          </p:cNvSpPr>
+          <p:nvPr>
+            <p:ph type="body" idx="1"/>
+          </p:nvPr>
+        </p:nvSpPr>
+        <p:spPr/>
+        <p:txBody>
+          <a:bodyPr>
+            <a:normAutofit/>
+          </a:bodyPr>
+          <a:lstStyle/>
+          <a:p>
+            <a:r>
+              <a:rPr lang="de-DE" dirty="0" err="1" smtClean="0"/>
+              <a:t>GitHub</a:t>
+            </a:r>
+            <a:r>
+              <a:rPr lang="de-DE" baseline="0" dirty="0" smtClean="0"/>
+              <a:t> für Dokumentenaustausch (binäre Dokumente) nur begrenzt geeignet</a:t>
+            </a:r>
+          </a:p>
+          <a:p>
+            <a:r>
+              <a:rPr lang="de-DE" baseline="0" dirty="0" smtClean="0"/>
+              <a:t>Alternativen: </a:t>
+            </a:r>
+            <a:r>
+              <a:rPr lang="de-DE" baseline="0" dirty="0" err="1" smtClean="0"/>
+              <a:t>Dropbox</a:t>
+            </a:r>
+            <a:r>
+              <a:rPr lang="de-DE" baseline="0" dirty="0" smtClean="0"/>
+              <a:t>, </a:t>
+            </a:r>
+            <a:r>
+              <a:rPr lang="de-DE" baseline="0" dirty="0" err="1" smtClean="0"/>
+              <a:t>Mesh</a:t>
+            </a:r>
+            <a:r>
+              <a:rPr lang="de-DE" baseline="0" dirty="0" smtClean="0"/>
+              <a:t>…</a:t>
+            </a:r>
+            <a:endParaRPr lang="de-DE" dirty="0"/>
+          </a:p>
+        </p:txBody>
+      </p:sp>
+      <p:sp>
+        <p:nvSpPr>
+          <p:cNvPr id="4" name="Foliennummernplatzhalter 3"/>
+          <p:cNvSpPr>
+            <a:spLocks noGrp="1"/>
+          </p:cNvSpPr>
+          <p:nvPr>
+            <p:ph type="sldNum" sz="quarter" idx="10"/>
+          </p:nvPr>
+        </p:nvSpPr>
+        <p:spPr/>
+        <p:txBody>
+          <a:bodyPr/>
+          <a:lstStyle/>
+          <a:p>
+            <a:fld id="{1EBFF01C-F984-4A51-AF10-254043F7C542}" type="slidenum">
+              <a:rPr lang="de-DE" smtClean="0"/>
+              <a:pPr/>
+              <a:t>27</a:t>
             </a:fld>
             <a:endParaRPr lang="de-DE"/>
           </a:p>
@@ -6707,7 +6923,7 @@
             <a:lum/>
             <a:extLst>
               <a:ext uri="{28A0092B-C50C-407E-A947-70E740481C1C}">
-                <a14:useLocalDpi xmlns:a14="http://schemas.microsoft.com/office/drawing/2010/main" val="0"/>
+                <a14:useLocalDpi xmlns:a14="http://schemas.microsoft.com/office/drawing/2010/main" xmlns="" val="0"/>
               </a:ext>
             </a:extLst>
           </a:blip>
@@ -8756,6 +8972,189 @@
       </p:grpSpPr>
       <p:sp>
         <p:nvSpPr>
+          <p:cNvPr id="2" name="Titel 1"/>
+          <p:cNvSpPr>
+            <a:spLocks noGrp="1"/>
+          </p:cNvSpPr>
+          <p:nvPr>
+            <p:ph type="title"/>
+          </p:nvPr>
+        </p:nvSpPr>
+        <p:spPr/>
+        <p:txBody>
+          <a:bodyPr>
+            <a:normAutofit fontScale="90000"/>
+          </a:bodyPr>
+          <a:lstStyle/>
+          <a:p>
+            <a:r>
+              <a:rPr lang="de-DE" dirty="0" smtClean="0"/>
+              <a:t>Glossar (Begriffsdefinitionen)</a:t>
+            </a:r>
+            <a:endParaRPr lang="de-DE" dirty="0"/>
+          </a:p>
+        </p:txBody>
+      </p:sp>
+      <p:sp>
+        <p:nvSpPr>
+          <p:cNvPr id="7" name="Inhaltsplatzhalter 6"/>
+          <p:cNvSpPr>
+            <a:spLocks noGrp="1"/>
+          </p:cNvSpPr>
+          <p:nvPr>
+            <p:ph idx="1"/>
+          </p:nvPr>
+        </p:nvSpPr>
+        <p:spPr/>
+        <p:txBody>
+          <a:bodyPr/>
+          <a:lstStyle/>
+          <a:p>
+            <a:pPr>
+              <a:buNone/>
+            </a:pPr>
+            <a:r>
+              <a:rPr lang="de-DE" dirty="0" smtClean="0"/>
+              <a:t>Fachliche Begriffe</a:t>
+            </a:r>
+          </a:p>
+          <a:p>
+            <a:r>
+              <a:rPr lang="de-DE" dirty="0" smtClean="0"/>
+              <a:t>Eventalizer</a:t>
+            </a:r>
+          </a:p>
+          <a:p>
+            <a:r>
+              <a:rPr lang="de-DE" dirty="0" smtClean="0"/>
+              <a:t>Event</a:t>
+            </a:r>
+          </a:p>
+          <a:p>
+            <a:r>
+              <a:rPr lang="de-DE" dirty="0" smtClean="0"/>
+              <a:t>Benutzer</a:t>
+            </a:r>
+          </a:p>
+          <a:p>
+            <a:r>
+              <a:rPr lang="de-DE" dirty="0" smtClean="0"/>
+              <a:t>(Event-)Teilnehmer</a:t>
+            </a:r>
+          </a:p>
+          <a:p>
+            <a:r>
+              <a:rPr lang="de-DE" dirty="0" smtClean="0"/>
+              <a:t>(Event-)Organisator</a:t>
+            </a:r>
+            <a:endParaRPr lang="de-DE" dirty="0"/>
+          </a:p>
+        </p:txBody>
+      </p:sp>
+      <p:sp>
+        <p:nvSpPr>
+          <p:cNvPr id="4" name="Datumsplatzhalter 3"/>
+          <p:cNvSpPr>
+            <a:spLocks noGrp="1"/>
+          </p:cNvSpPr>
+          <p:nvPr>
+            <p:ph type="dt" sz="half" idx="10"/>
+          </p:nvPr>
+        </p:nvSpPr>
+        <p:spPr/>
+        <p:txBody>
+          <a:bodyPr/>
+          <a:lstStyle/>
+          <a:p>
+            <a:r>
+              <a:rPr lang="de-DE" smtClean="0"/>
+              <a:t>21.04.2012</a:t>
+            </a:r>
+            <a:endParaRPr lang="de-DE" dirty="0"/>
+          </a:p>
+        </p:txBody>
+      </p:sp>
+      <p:sp>
+        <p:nvSpPr>
+          <p:cNvPr id="5" name="Fußzeilenplatzhalter 4"/>
+          <p:cNvSpPr>
+            <a:spLocks noGrp="1"/>
+          </p:cNvSpPr>
+          <p:nvPr>
+            <p:ph type="ftr" sz="quarter" idx="11"/>
+          </p:nvPr>
+        </p:nvSpPr>
+        <p:spPr/>
+        <p:txBody>
+          <a:bodyPr/>
+          <a:lstStyle/>
+          <a:p>
+            <a:r>
+              <a:rPr lang="de-DE" smtClean="0"/>
+              <a:t>Eventalizer</a:t>
+            </a:r>
+            <a:endParaRPr lang="de-DE" dirty="0"/>
+          </a:p>
+        </p:txBody>
+      </p:sp>
+      <p:sp>
+        <p:nvSpPr>
+          <p:cNvPr id="6" name="Foliennummernplatzhalter 5"/>
+          <p:cNvSpPr>
+            <a:spLocks noGrp="1"/>
+          </p:cNvSpPr>
+          <p:nvPr>
+            <p:ph type="sldNum" sz="quarter" idx="12"/>
+          </p:nvPr>
+        </p:nvSpPr>
+        <p:spPr/>
+        <p:txBody>
+          <a:bodyPr/>
+          <a:lstStyle/>
+          <a:p>
+            <a:fld id="{6C6AE60A-B69C-4790-82F7-3882EDF23186}" type="slidenum">
+              <a:rPr lang="de-DE" smtClean="0"/>
+              <a:pPr/>
+              <a:t>17</a:t>
+            </a:fld>
+            <a:endParaRPr lang="de-DE" dirty="0"/>
+          </a:p>
+        </p:txBody>
+      </p:sp>
+    </p:spTree>
+  </p:cSld>
+  <p:clrMapOvr>
+    <a:masterClrMapping/>
+  </p:clrMapOvr>
+  <p:timing>
+    <p:tnLst>
+      <p:par>
+        <p:cTn id="1" dur="indefinite" restart="never" nodeType="tmRoot"/>
+      </p:par>
+    </p:tnLst>
+  </p:timing>
+</p:sld>
+</file>
+
+<file path=ppt/slides/slide18.xml><?xml version="1.0" encoding="utf-8"?>
+<p:sld xmlns:a="http://schemas.openxmlformats.org/drawingml/2006/main" xmlns:r="http://schemas.openxmlformats.org/officeDocument/2006/relationships" xmlns:p="http://schemas.openxmlformats.org/presentationml/2006/main">
+  <p:cSld>
+    <p:spTree>
+      <p:nvGrpSpPr>
+        <p:cNvPr id="1" name=""/>
+        <p:cNvGrpSpPr/>
+        <p:nvPr/>
+      </p:nvGrpSpPr>
+      <p:grpSpPr>
+        <a:xfrm>
+          <a:off x="0" y="0"/>
+          <a:ext cx="0" cy="0"/>
+          <a:chOff x="0" y="0"/>
+          <a:chExt cx="0" cy="0"/>
+        </a:xfrm>
+      </p:grpSpPr>
+      <p:sp>
+        <p:nvSpPr>
           <p:cNvPr id="9" name="Abgerundetes Rechteck 8"/>
           <p:cNvSpPr/>
           <p:nvPr/>
@@ -8951,7 +9350,7 @@
             <a:fld id="{6C6AE60A-B69C-4790-82F7-3882EDF23186}" type="slidenum">
               <a:rPr lang="de-DE" smtClean="0"/>
               <a:pPr/>
-              <a:t>17</a:t>
+              <a:t>18</a:t>
             </a:fld>
             <a:endParaRPr lang="de-DE" dirty="0"/>
           </a:p>
@@ -8995,7 +9394,7 @@
 </p:sld>
 </file>
 
-<file path=ppt/slides/slide18.xml><?xml version="1.0" encoding="utf-8"?>
+<file path=ppt/slides/slide19.xml><?xml version="1.0" encoding="utf-8"?>
 <p:sld xmlns:a="http://schemas.openxmlformats.org/drawingml/2006/main" xmlns:r="http://schemas.openxmlformats.org/officeDocument/2006/relationships" xmlns:p="http://schemas.openxmlformats.org/presentationml/2006/main">
   <p:cSld>
     <p:spTree>
@@ -9099,7 +9498,7 @@
             <a:fld id="{6C6AE60A-B69C-4790-82F7-3882EDF23186}" type="slidenum">
               <a:rPr lang="de-DE" smtClean="0"/>
               <a:pPr/>
-              <a:t>18</a:t>
+              <a:t>19</a:t>
             </a:fld>
             <a:endParaRPr lang="de-DE" dirty="0"/>
           </a:p>
@@ -9142,10 +9541,204 @@
   <p:clrMapOvr>
     <a:masterClrMapping/>
   </p:clrMapOvr>
+  <p:timing>
+    <p:tnLst>
+      <p:par>
+        <p:cTn id="1" dur="indefinite" restart="never" nodeType="tmRoot"/>
+      </p:par>
+    </p:tnLst>
+  </p:timing>
 </p:sld>
 </file>
 
-<file path=ppt/slides/slide19.xml><?xml version="1.0" encoding="utf-8"?>
+<file path=ppt/slides/slide2.xml><?xml version="1.0" encoding="utf-8"?>
+<p:sld xmlns:a="http://schemas.openxmlformats.org/drawingml/2006/main" xmlns:r="http://schemas.openxmlformats.org/officeDocument/2006/relationships" xmlns:p="http://schemas.openxmlformats.org/presentationml/2006/main">
+  <p:cSld>
+    <p:spTree>
+      <p:nvGrpSpPr>
+        <p:cNvPr id="1" name=""/>
+        <p:cNvGrpSpPr/>
+        <p:nvPr/>
+      </p:nvGrpSpPr>
+      <p:grpSpPr>
+        <a:xfrm>
+          <a:off x="0" y="0"/>
+          <a:ext cx="0" cy="0"/>
+          <a:chOff x="0" y="0"/>
+          <a:chExt cx="0" cy="0"/>
+        </a:xfrm>
+      </p:grpSpPr>
+      <p:sp>
+        <p:nvSpPr>
+          <p:cNvPr id="2" name="Titel 1"/>
+          <p:cNvSpPr>
+            <a:spLocks noGrp="1"/>
+          </p:cNvSpPr>
+          <p:nvPr>
+            <p:ph type="title"/>
+          </p:nvPr>
+        </p:nvSpPr>
+        <p:spPr/>
+        <p:txBody>
+          <a:bodyPr/>
+          <a:lstStyle/>
+          <a:p>
+            <a:pPr algn="l"/>
+            <a:r>
+              <a:rPr lang="de-DE" dirty="0" smtClean="0"/>
+              <a:t>Agenda</a:t>
+            </a:r>
+            <a:endParaRPr lang="de-DE" dirty="0"/>
+          </a:p>
+        </p:txBody>
+      </p:sp>
+      <p:sp>
+        <p:nvSpPr>
+          <p:cNvPr id="3" name="Inhaltsplatzhalter 2"/>
+          <p:cNvSpPr>
+            <a:spLocks noGrp="1"/>
+          </p:cNvSpPr>
+          <p:nvPr>
+            <p:ph idx="1"/>
+          </p:nvPr>
+        </p:nvSpPr>
+        <p:spPr/>
+        <p:txBody>
+          <a:bodyPr/>
+          <a:lstStyle/>
+          <a:p>
+            <a:r>
+              <a:rPr lang="de-DE" dirty="0" smtClean="0"/>
+              <a:t>Steckbrief</a:t>
+            </a:r>
+          </a:p>
+          <a:p>
+            <a:r>
+              <a:rPr lang="de-DE" dirty="0" smtClean="0"/>
+              <a:t>Projektvorgehen</a:t>
+            </a:r>
+          </a:p>
+          <a:p>
+            <a:r>
+              <a:rPr lang="de-DE" dirty="0" smtClean="0"/>
+              <a:t>Projektorganisation</a:t>
+            </a:r>
+          </a:p>
+          <a:p>
+            <a:r>
+              <a:rPr lang="de-DE" dirty="0" smtClean="0"/>
+              <a:t>Aktuelle Ergebnisse</a:t>
+            </a:r>
+          </a:p>
+          <a:p>
+            <a:pPr lvl="1"/>
+            <a:r>
+              <a:rPr lang="de-DE" dirty="0" smtClean="0"/>
+              <a:t>Architekturentscheidungen</a:t>
+            </a:r>
+          </a:p>
+          <a:p>
+            <a:pPr lvl="1"/>
+            <a:r>
+              <a:rPr lang="de-DE" dirty="0" smtClean="0"/>
+              <a:t>Artefakte Vorgehensmodells</a:t>
+            </a:r>
+          </a:p>
+          <a:p>
+            <a:r>
+              <a:rPr lang="de-DE" dirty="0" smtClean="0"/>
+              <a:t>Zwischenfazit und Ausblick</a:t>
+            </a:r>
+            <a:endParaRPr lang="de-DE" dirty="0"/>
+          </a:p>
+        </p:txBody>
+      </p:sp>
+      <p:sp>
+        <p:nvSpPr>
+          <p:cNvPr id="4" name="Datumsplatzhalter 3"/>
+          <p:cNvSpPr>
+            <a:spLocks noGrp="1"/>
+          </p:cNvSpPr>
+          <p:nvPr>
+            <p:ph type="dt" sz="half" idx="10"/>
+          </p:nvPr>
+        </p:nvSpPr>
+        <p:spPr/>
+        <p:txBody>
+          <a:bodyPr/>
+          <a:lstStyle/>
+          <a:p>
+            <a:r>
+              <a:rPr lang="de-DE" smtClean="0"/>
+              <a:t>21.04.2012</a:t>
+            </a:r>
+            <a:endParaRPr lang="de-DE" dirty="0"/>
+          </a:p>
+        </p:txBody>
+      </p:sp>
+      <p:sp>
+        <p:nvSpPr>
+          <p:cNvPr id="5" name="Foliennummernplatzhalter 4"/>
+          <p:cNvSpPr>
+            <a:spLocks noGrp="1"/>
+          </p:cNvSpPr>
+          <p:nvPr>
+            <p:ph type="sldNum" sz="quarter" idx="12"/>
+          </p:nvPr>
+        </p:nvSpPr>
+        <p:spPr/>
+        <p:txBody>
+          <a:bodyPr/>
+          <a:lstStyle/>
+          <a:p>
+            <a:fld id="{6C6AE60A-B69C-4790-82F7-3882EDF23186}" type="slidenum">
+              <a:rPr lang="de-DE" smtClean="0"/>
+              <a:pPr/>
+              <a:t>2</a:t>
+            </a:fld>
+            <a:endParaRPr lang="de-DE" dirty="0"/>
+          </a:p>
+        </p:txBody>
+      </p:sp>
+      <p:sp>
+        <p:nvSpPr>
+          <p:cNvPr id="6" name="Fußzeilenplatzhalter 5"/>
+          <p:cNvSpPr>
+            <a:spLocks noGrp="1"/>
+          </p:cNvSpPr>
+          <p:nvPr>
+            <p:ph type="ftr" sz="quarter" idx="11"/>
+          </p:nvPr>
+        </p:nvSpPr>
+        <p:spPr/>
+        <p:txBody>
+          <a:bodyPr/>
+          <a:lstStyle/>
+          <a:p>
+            <a:r>
+              <a:rPr lang="de-DE" smtClean="0"/>
+              <a:t>Eventalizer</a:t>
+            </a:r>
+            <a:endParaRPr lang="de-DE" dirty="0"/>
+          </a:p>
+        </p:txBody>
+      </p:sp>
+    </p:spTree>
+  </p:cSld>
+  <p:clrMapOvr>
+    <a:masterClrMapping/>
+  </p:clrMapOvr>
+  <p:timing>
+    <p:tnLst>
+      <p:par>
+        <p:cTn id="1" dur="indefinite" restart="never" nodeType="tmRoot"/>
+      </p:par>
+    </p:tnLst>
+  </p:timing>
+</p:sld>
+</file>
+
+<file path=ppt/slides/slide20.xml><?xml version="1.0" encoding="utf-8"?>
 <p:sld xmlns:a="http://schemas.openxmlformats.org/drawingml/2006/main" xmlns:r="http://schemas.openxmlformats.org/officeDocument/2006/relationships" xmlns:p="http://schemas.openxmlformats.org/presentationml/2006/main">
   <p:cSld>
     <p:spTree>
@@ -9359,7 +9952,7 @@
             <a:fld id="{6C6AE60A-B69C-4790-82F7-3882EDF23186}" type="slidenum">
               <a:rPr lang="de-DE" smtClean="0"/>
               <a:pPr/>
-              <a:t>19</a:t>
+              <a:t>20</a:t>
             </a:fld>
             <a:endParaRPr lang="de-DE" dirty="0"/>
           </a:p>
@@ -9403,7 +9996,7 @@
 </p:sld>
 </file>
 
-<file path=ppt/slides/slide2.xml><?xml version="1.0" encoding="utf-8"?>
+<file path=ppt/slides/slide21.xml><?xml version="1.0" encoding="utf-8"?>
 <p:sld xmlns:a="http://schemas.openxmlformats.org/drawingml/2006/main" xmlns:r="http://schemas.openxmlformats.org/officeDocument/2006/relationships" xmlns:p="http://schemas.openxmlformats.org/presentationml/2006/main">
   <p:cSld>
     <p:spTree>
@@ -9435,10 +10028,9 @@
           <a:bodyPr/>
           <a:lstStyle/>
           <a:p>
-            <a:pPr algn="l"/>
-            <a:r>
-              <a:rPr lang="de-DE" dirty="0" smtClean="0"/>
-              <a:t>Agenda</a:t>
+            <a:r>
+              <a:rPr lang="de-DE" dirty="0" smtClean="0"/>
+              <a:t>Szenarien (1/2)</a:t>
             </a:r>
             <a:endParaRPr lang="de-DE" dirty="0"/>
           </a:p>
@@ -9446,60 +10038,22 @@
       </p:sp>
       <p:sp>
         <p:nvSpPr>
-          <p:cNvPr id="3" name="Inhaltsplatzhalter 2"/>
-          <p:cNvSpPr>
-            <a:spLocks noGrp="1"/>
-          </p:cNvSpPr>
-          <p:nvPr>
-            <p:ph idx="1"/>
-          </p:nvPr>
-        </p:nvSpPr>
-        <p:spPr/>
-        <p:txBody>
-          <a:bodyPr/>
-          <a:lstStyle/>
-          <a:p>
-            <a:r>
-              <a:rPr lang="de-DE" dirty="0" smtClean="0"/>
-              <a:t>Steckbrief</a:t>
-            </a:r>
-          </a:p>
-          <a:p>
-            <a:r>
-              <a:rPr lang="de-DE" dirty="0" smtClean="0"/>
-              <a:t>Projektvorgehen</a:t>
-            </a:r>
-          </a:p>
-          <a:p>
-            <a:r>
-              <a:rPr lang="de-DE" dirty="0" smtClean="0"/>
-              <a:t>Projektorganisation</a:t>
-            </a:r>
-          </a:p>
-          <a:p>
-            <a:r>
-              <a:rPr lang="de-DE" dirty="0" smtClean="0"/>
-              <a:t>Aktuelle Ergebnisse</a:t>
-            </a:r>
-          </a:p>
-          <a:p>
-            <a:pPr lvl="1"/>
-            <a:r>
-              <a:rPr lang="de-DE" dirty="0" smtClean="0"/>
-              <a:t>Architekturentscheidungen</a:t>
-            </a:r>
-          </a:p>
-          <a:p>
-            <a:pPr lvl="1"/>
-            <a:r>
-              <a:rPr lang="de-DE" dirty="0" smtClean="0"/>
-              <a:t>Artefakte Vorgehensmodells</a:t>
-            </a:r>
-          </a:p>
-          <a:p>
-            <a:r>
-              <a:rPr lang="de-DE" dirty="0" smtClean="0"/>
-              <a:t>Zwischenfazit und Ausblick</a:t>
+          <p:cNvPr id="4" name="Datumsplatzhalter 3"/>
+          <p:cNvSpPr>
+            <a:spLocks noGrp="1"/>
+          </p:cNvSpPr>
+          <p:nvPr>
+            <p:ph type="dt" sz="half" idx="10"/>
+          </p:nvPr>
+        </p:nvSpPr>
+        <p:spPr/>
+        <p:txBody>
+          <a:bodyPr/>
+          <a:lstStyle/>
+          <a:p>
+            <a:r>
+              <a:rPr lang="de-DE" smtClean="0"/>
+              <a:t>21.04.2012</a:t>
             </a:r>
             <a:endParaRPr lang="de-DE" dirty="0"/>
           </a:p>
@@ -9507,22 +10061,22 @@
       </p:sp>
       <p:sp>
         <p:nvSpPr>
-          <p:cNvPr id="4" name="Datumsplatzhalter 3"/>
-          <p:cNvSpPr>
-            <a:spLocks noGrp="1"/>
-          </p:cNvSpPr>
-          <p:nvPr>
-            <p:ph type="dt" sz="half" idx="10"/>
-          </p:nvPr>
-        </p:nvSpPr>
-        <p:spPr/>
-        <p:txBody>
-          <a:bodyPr/>
-          <a:lstStyle/>
-          <a:p>
-            <a:r>
-              <a:rPr lang="de-DE" smtClean="0"/>
-              <a:t>21.04.2012</a:t>
+          <p:cNvPr id="5" name="Fußzeilenplatzhalter 4"/>
+          <p:cNvSpPr>
+            <a:spLocks noGrp="1"/>
+          </p:cNvSpPr>
+          <p:nvPr>
+            <p:ph type="ftr" sz="quarter" idx="11"/>
+          </p:nvPr>
+        </p:nvSpPr>
+        <p:spPr/>
+        <p:txBody>
+          <a:bodyPr/>
+          <a:lstStyle/>
+          <a:p>
+            <a:r>
+              <a:rPr lang="de-DE" smtClean="0"/>
+              <a:t>Eventalizer</a:t>
             </a:r>
             <a:endParaRPr lang="de-DE" dirty="0"/>
           </a:p>
@@ -9530,7 +10084,7 @@
       </p:sp>
       <p:sp>
         <p:nvSpPr>
-          <p:cNvPr id="5" name="Foliennummernplatzhalter 4"/>
+          <p:cNvPr id="6" name="Foliennummernplatzhalter 5"/>
           <p:cNvSpPr>
             <a:spLocks noGrp="1"/>
           </p:cNvSpPr>
@@ -9546,155 +10100,7 @@
             <a:fld id="{6C6AE60A-B69C-4790-82F7-3882EDF23186}" type="slidenum">
               <a:rPr lang="de-DE" smtClean="0"/>
               <a:pPr/>
-              <a:t>2</a:t>
-            </a:fld>
-            <a:endParaRPr lang="de-DE" dirty="0"/>
-          </a:p>
-        </p:txBody>
-      </p:sp>
-      <p:sp>
-        <p:nvSpPr>
-          <p:cNvPr id="6" name="Fußzeilenplatzhalter 5"/>
-          <p:cNvSpPr>
-            <a:spLocks noGrp="1"/>
-          </p:cNvSpPr>
-          <p:nvPr>
-            <p:ph type="ftr" sz="quarter" idx="11"/>
-          </p:nvPr>
-        </p:nvSpPr>
-        <p:spPr/>
-        <p:txBody>
-          <a:bodyPr/>
-          <a:lstStyle/>
-          <a:p>
-            <a:r>
-              <a:rPr lang="de-DE" smtClean="0"/>
-              <a:t>Eventalizer</a:t>
-            </a:r>
-            <a:endParaRPr lang="de-DE" dirty="0"/>
-          </a:p>
-        </p:txBody>
-      </p:sp>
-    </p:spTree>
-  </p:cSld>
-  <p:clrMapOvr>
-    <a:masterClrMapping/>
-  </p:clrMapOvr>
-  <p:timing>
-    <p:tnLst>
-      <p:par>
-        <p:cTn id="1" dur="indefinite" restart="never" nodeType="tmRoot"/>
-      </p:par>
-    </p:tnLst>
-  </p:timing>
-</p:sld>
-</file>
-
-<file path=ppt/slides/slide20.xml><?xml version="1.0" encoding="utf-8"?>
-<p:sld xmlns:a="http://schemas.openxmlformats.org/drawingml/2006/main" xmlns:r="http://schemas.openxmlformats.org/officeDocument/2006/relationships" xmlns:p="http://schemas.openxmlformats.org/presentationml/2006/main">
-  <p:cSld>
-    <p:spTree>
-      <p:nvGrpSpPr>
-        <p:cNvPr id="1" name=""/>
-        <p:cNvGrpSpPr/>
-        <p:nvPr/>
-      </p:nvGrpSpPr>
-      <p:grpSpPr>
-        <a:xfrm>
-          <a:off x="0" y="0"/>
-          <a:ext cx="0" cy="0"/>
-          <a:chOff x="0" y="0"/>
-          <a:chExt cx="0" cy="0"/>
-        </a:xfrm>
-      </p:grpSpPr>
-      <p:sp>
-        <p:nvSpPr>
-          <p:cNvPr id="2" name="Titel 1"/>
-          <p:cNvSpPr>
-            <a:spLocks noGrp="1"/>
-          </p:cNvSpPr>
-          <p:nvPr>
-            <p:ph type="title"/>
-          </p:nvPr>
-        </p:nvSpPr>
-        <p:spPr/>
-        <p:txBody>
-          <a:bodyPr/>
-          <a:lstStyle/>
-          <a:p>
-            <a:r>
-              <a:rPr lang="de-DE" dirty="0" smtClean="0"/>
-              <a:t>Szenarien (1/2)</a:t>
-            </a:r>
-            <a:endParaRPr lang="de-DE" dirty="0"/>
-          </a:p>
-        </p:txBody>
-      </p:sp>
-      <p:sp>
-        <p:nvSpPr>
-          <p:cNvPr id="4" name="Datumsplatzhalter 3"/>
-          <p:cNvSpPr>
-            <a:spLocks noGrp="1"/>
-          </p:cNvSpPr>
-          <p:nvPr>
-            <p:ph type="dt" sz="half" idx="10"/>
-          </p:nvPr>
-        </p:nvSpPr>
-        <p:spPr/>
-        <p:txBody>
-          <a:bodyPr/>
-          <a:lstStyle/>
-          <a:p>
-            <a:r>
-              <a:rPr lang="de-DE" smtClean="0"/>
-              <a:t>21.04.2012</a:t>
-            </a:r>
-            <a:endParaRPr lang="de-DE" dirty="0"/>
-          </a:p>
-        </p:txBody>
-      </p:sp>
-      <p:sp>
-        <p:nvSpPr>
-          <p:cNvPr id="5" name="Fußzeilenplatzhalter 4"/>
-          <p:cNvSpPr>
-            <a:spLocks noGrp="1"/>
-          </p:cNvSpPr>
-          <p:nvPr>
-            <p:ph type="ftr" sz="quarter" idx="11"/>
-          </p:nvPr>
-        </p:nvSpPr>
-        <p:spPr/>
-        <p:txBody>
-          <a:bodyPr/>
-          <a:lstStyle/>
-          <a:p>
-            <a:r>
-              <a:rPr lang="de-DE" smtClean="0"/>
-              <a:t>Eventalizer</a:t>
-            </a:r>
-            <a:endParaRPr lang="de-DE" dirty="0"/>
-          </a:p>
-        </p:txBody>
-      </p:sp>
-      <p:sp>
-        <p:nvSpPr>
-          <p:cNvPr id="6" name="Foliennummernplatzhalter 5"/>
-          <p:cNvSpPr>
-            <a:spLocks noGrp="1"/>
-          </p:cNvSpPr>
-          <p:nvPr>
-            <p:ph type="sldNum" sz="quarter" idx="12"/>
-          </p:nvPr>
-        </p:nvSpPr>
-        <p:spPr/>
-        <p:txBody>
-          <a:bodyPr/>
-          <a:lstStyle/>
-          <a:p>
-            <a:fld id="{6C6AE60A-B69C-4790-82F7-3882EDF23186}" type="slidenum">
-              <a:rPr lang="de-DE" smtClean="0"/>
-              <a:pPr/>
-              <a:t>20</a:t>
+              <a:t>21</a:t>
             </a:fld>
             <a:endParaRPr lang="de-DE" dirty="0"/>
           </a:p>
@@ -9747,7 +10153,7 @@
 </p:sld>
 </file>
 
-<file path=ppt/slides/slide21.xml><?xml version="1.0" encoding="utf-8"?>
+<file path=ppt/slides/slide22.xml><?xml version="1.0" encoding="utf-8"?>
 <p:sld xmlns:a="http://schemas.openxmlformats.org/drawingml/2006/main" xmlns:r="http://schemas.openxmlformats.org/officeDocument/2006/relationships" xmlns:p="http://schemas.openxmlformats.org/presentationml/2006/main">
   <p:cSld>
     <p:spTree>
@@ -9851,7 +10257,7 @@
             <a:fld id="{6C6AE60A-B69C-4790-82F7-3882EDF23186}" type="slidenum">
               <a:rPr lang="de-DE" smtClean="0"/>
               <a:pPr/>
-              <a:t>21</a:t>
+              <a:t>22</a:t>
             </a:fld>
             <a:endParaRPr lang="de-DE" dirty="0"/>
           </a:p>
@@ -9904,7 +10310,7 @@
 </p:sld>
 </file>
 
-<file path=ppt/slides/slide22.xml><?xml version="1.0" encoding="utf-8"?>
+<file path=ppt/slides/slide23.xml><?xml version="1.0" encoding="utf-8"?>
 <p:sld xmlns:a="http://schemas.openxmlformats.org/drawingml/2006/main" xmlns:r="http://schemas.openxmlformats.org/officeDocument/2006/relationships" xmlns:p="http://schemas.openxmlformats.org/presentationml/2006/main">
   <p:cSld>
     <p:spTree>
@@ -10047,7 +10453,7 @@
             <a:fld id="{6C6AE60A-B69C-4790-82F7-3882EDF23186}" type="slidenum">
               <a:rPr lang="de-DE" smtClean="0"/>
               <a:pPr/>
-              <a:t>22</a:t>
+              <a:t>23</a:t>
             </a:fld>
             <a:endParaRPr lang="de-DE" dirty="0"/>
           </a:p>
@@ -10107,7 +10513,7 @@
           <a:blip r:embed="rId4" cstate="print">
             <a:extLst>
               <a:ext uri="{BEBA8EAE-BF5A-486C-A8C5-ECC9F3942E4B}">
-                <a14:imgProps xmlns:a14="http://schemas.microsoft.com/office/drawing/2010/main">
+                <a14:imgProps xmlns:a14="http://schemas.microsoft.com/office/drawing/2010/main" xmlns="">
                   <a14:imgLayer r:embed="rId5">
                     <a14:imgEffect>
                       <a14:colorTemperature colorTemp="11200"/>
@@ -10144,7 +10550,7 @@
     </p:spTree>
     <p:extLst>
       <p:ext uri="{BB962C8B-B14F-4D97-AF65-F5344CB8AC3E}">
-        <p14:creationId xmlns:p14="http://schemas.microsoft.com/office/powerpoint/2010/main" val="3440238054"/>
+        <p14:creationId xmlns:p14="http://schemas.microsoft.com/office/powerpoint/2010/main" xmlns="" val="3440238054"/>
       </p:ext>
     </p:extLst>
   </p:cSld>
@@ -10161,7 +10567,7 @@
 </p:sld>
 </file>
 
-<file path=ppt/slides/slide23.xml><?xml version="1.0" encoding="utf-8"?>
+<file path=ppt/slides/slide24.xml><?xml version="1.0" encoding="utf-8"?>
 <p:sld xmlns:a="http://schemas.openxmlformats.org/drawingml/2006/main" xmlns:r="http://schemas.openxmlformats.org/officeDocument/2006/relationships" xmlns:p="http://schemas.openxmlformats.org/presentationml/2006/main">
   <p:cSld>
     <p:spTree>
@@ -10325,7 +10731,7 @@
             <a:fld id="{6C6AE60A-B69C-4790-82F7-3882EDF23186}" type="slidenum">
               <a:rPr lang="de-DE" smtClean="0"/>
               <a:pPr/>
-              <a:t>23</a:t>
+              <a:t>24</a:t>
             </a:fld>
             <a:endParaRPr lang="de-DE" dirty="0"/>
           </a:p>
@@ -10369,7 +10775,7 @@
 </p:sld>
 </file>
 
-<file path=ppt/slides/slide24.xml><?xml version="1.0" encoding="utf-8"?>
+<file path=ppt/slides/slide25.xml><?xml version="1.0" encoding="utf-8"?>
 <p:sld xmlns:a="http://schemas.openxmlformats.org/drawingml/2006/main" xmlns:r="http://schemas.openxmlformats.org/officeDocument/2006/relationships" xmlns:p="http://schemas.openxmlformats.org/presentationml/2006/main">
   <p:cSld>
     <p:spTree>
@@ -10473,7 +10879,7 @@
             <a:fld id="{6C6AE60A-B69C-4790-82F7-3882EDF23186}" type="slidenum">
               <a:rPr lang="de-DE" smtClean="0"/>
               <a:pPr/>
-              <a:t>24</a:t>
+              <a:t>25</a:t>
             </a:fld>
             <a:endParaRPr lang="de-DE" dirty="0"/>
           </a:p>
@@ -10510,10 +10916,17 @@
   <p:clrMapOvr>
     <a:masterClrMapping/>
   </p:clrMapOvr>
+  <p:timing>
+    <p:tnLst>
+      <p:par>
+        <p:cTn id="1" dur="indefinite" restart="never" nodeType="tmRoot"/>
+      </p:par>
+    </p:tnLst>
+  </p:timing>
 </p:sld>
 </file>
 
-<file path=ppt/slides/slide25.xml><?xml version="1.0" encoding="utf-8"?>
+<file path=ppt/slides/slide26.xml><?xml version="1.0" encoding="utf-8"?>
 <p:sld xmlns:a="http://schemas.openxmlformats.org/drawingml/2006/main" xmlns:r="http://schemas.openxmlformats.org/officeDocument/2006/relationships" xmlns:p="http://schemas.openxmlformats.org/presentationml/2006/main">
   <p:cSld>
     <p:spTree>
@@ -10692,7 +11105,7 @@
             <a:fld id="{6C6AE60A-B69C-4790-82F7-3882EDF23186}" type="slidenum">
               <a:rPr lang="de-DE" smtClean="0"/>
               <a:pPr/>
-              <a:t>25</a:t>
+              <a:t>26</a:t>
             </a:fld>
             <a:endParaRPr lang="de-DE" dirty="0"/>
           </a:p>
@@ -10736,7 +11149,7 @@
 </p:sld>
 </file>
 
-<file path=ppt/slides/slide26.xml><?xml version="1.0" encoding="utf-8"?>
+<file path=ppt/slides/slide27.xml><?xml version="1.0" encoding="utf-8"?>
 <p:sld xmlns:a="http://schemas.openxmlformats.org/drawingml/2006/main" xmlns:r="http://schemas.openxmlformats.org/officeDocument/2006/relationships" xmlns:p="http://schemas.openxmlformats.org/presentationml/2006/main">
   <p:cSld>
     <p:spTree>
@@ -10861,7 +11274,7 @@
             <a:fld id="{6C6AE60A-B69C-4790-82F7-3882EDF23186}" type="slidenum">
               <a:rPr lang="de-DE" smtClean="0"/>
               <a:pPr/>
-              <a:t>26</a:t>
+              <a:t>27</a:t>
             </a:fld>
             <a:endParaRPr lang="de-DE" dirty="0"/>
           </a:p>

--- a/Dokumente/Zwischenstand zum 2012 04 21 (2).pptx
+++ b/Dokumente/Zwischenstand zum 2012 04 21 (2).pptx
@@ -1219,18 +1219,18 @@
     </dgm:pt>
   </dgm:ptLst>
   <dgm:cxnLst>
+    <dgm:cxn modelId="{7FD82852-08D4-4757-9905-796C75187633}" type="presOf" srcId="{81593B52-C0C7-4699-A542-14EF6A552710}" destId="{4B16C956-3F43-4F0C-851B-7BEF2A858E05}" srcOrd="0" destOrd="0" presId="urn:microsoft.com/office/officeart/2005/8/layout/bProcess2"/>
+    <dgm:cxn modelId="{C0F0325B-5D94-4F8F-A19C-E342385C7A0C}" srcId="{2076FC96-6453-4C6E-A8B1-022AF85EFBBD}" destId="{D676ACFF-D864-4A74-BC08-FFF521911366}" srcOrd="3" destOrd="0" parTransId="{BC2BCB5C-0572-4291-A81A-4826CA359DAE}" sibTransId="{1C262E3B-E95B-4C81-A044-204E3F83EF9F}"/>
+    <dgm:cxn modelId="{7A1C7AB2-B278-4CD0-8D6D-33FAF07A3F85}" type="presOf" srcId="{9FFECB61-C811-496D-9F12-F63AD9A2D9EE}" destId="{EFBF5D05-10BD-4B08-8E78-F6A085231E0E}" srcOrd="0" destOrd="0" presId="urn:microsoft.com/office/officeart/2005/8/layout/bProcess2"/>
+    <dgm:cxn modelId="{4D2D03B2-4767-452A-A48D-FF809EF37E3B}" srcId="{2076FC96-6453-4C6E-A8B1-022AF85EFBBD}" destId="{3A8DBD30-33F4-4BF2-A3E8-CE2DB89DAAF3}" srcOrd="1" destOrd="0" parTransId="{CEAC2244-9C24-451F-BB9E-136E8D8A7A0B}" sibTransId="{63BBCC2C-BF04-4F97-9FC9-0D509448B1C6}"/>
     <dgm:cxn modelId="{617BCB0C-0558-407B-91AB-B68DE64BB2AA}" type="presOf" srcId="{944B7687-9390-4A1A-858A-D031F080161B}" destId="{756AB1AC-5B51-4BBE-B2B1-6ABFB74C10C9}" srcOrd="0" destOrd="0" presId="urn:microsoft.com/office/officeart/2005/8/layout/bProcess2"/>
-    <dgm:cxn modelId="{4D2D03B2-4767-452A-A48D-FF809EF37E3B}" srcId="{2076FC96-6453-4C6E-A8B1-022AF85EFBBD}" destId="{3A8DBD30-33F4-4BF2-A3E8-CE2DB89DAAF3}" srcOrd="1" destOrd="0" parTransId="{CEAC2244-9C24-451F-BB9E-136E8D8A7A0B}" sibTransId="{63BBCC2C-BF04-4F97-9FC9-0D509448B1C6}"/>
     <dgm:cxn modelId="{184BC419-765C-4FE3-8639-89B3ADAD51CC}" type="presOf" srcId="{D676ACFF-D864-4A74-BC08-FFF521911366}" destId="{FD93DD51-6B10-48A2-80F7-E1B001E1F8E7}" srcOrd="0" destOrd="0" presId="urn:microsoft.com/office/officeart/2005/8/layout/bProcess2"/>
-    <dgm:cxn modelId="{E10C5AF5-8470-4875-B217-C5D2EC0BEE27}" srcId="{2076FC96-6453-4C6E-A8B1-022AF85EFBBD}" destId="{9FFECB61-C811-496D-9F12-F63AD9A2D9EE}" srcOrd="2" destOrd="0" parTransId="{0267A443-BEBA-47C3-B13F-1D20BE53CED2}" sibTransId="{81593B52-C0C7-4699-A542-14EF6A552710}"/>
     <dgm:cxn modelId="{C8AACADD-D549-4CF7-A7F5-D30EBB8F3E5F}" type="presOf" srcId="{63BBCC2C-BF04-4F97-9FC9-0D509448B1C6}" destId="{6E2E45EE-058C-4AFF-8701-838DE3D5016A}" srcOrd="0" destOrd="0" presId="urn:microsoft.com/office/officeart/2005/8/layout/bProcess2"/>
     <dgm:cxn modelId="{DD228FCD-D43B-43E8-A775-DDFA3BD9C5C9}" type="presOf" srcId="{A2E957D4-B9A8-41E8-9B88-7B884721F996}" destId="{9AE0D100-B11F-4B8E-A83C-80C9BB67997D}" srcOrd="0" destOrd="0" presId="urn:microsoft.com/office/officeart/2005/8/layout/bProcess2"/>
-    <dgm:cxn modelId="{7FD82852-08D4-4757-9905-796C75187633}" type="presOf" srcId="{81593B52-C0C7-4699-A542-14EF6A552710}" destId="{4B16C956-3F43-4F0C-851B-7BEF2A858E05}" srcOrd="0" destOrd="0" presId="urn:microsoft.com/office/officeart/2005/8/layout/bProcess2"/>
+    <dgm:cxn modelId="{7BC55D47-D5B9-4E6B-A01C-32621EBC9EAA}" type="presOf" srcId="{2076FC96-6453-4C6E-A8B1-022AF85EFBBD}" destId="{4CB13BFB-EE5C-4952-BAC5-5317E8C7FD8A}" srcOrd="0" destOrd="0" presId="urn:microsoft.com/office/officeart/2005/8/layout/bProcess2"/>
+    <dgm:cxn modelId="{39710712-6FE3-476F-A0BC-24F557686F14}" srcId="{2076FC96-6453-4C6E-A8B1-022AF85EFBBD}" destId="{944B7687-9390-4A1A-858A-D031F080161B}" srcOrd="0" destOrd="0" parTransId="{388F90D2-8549-4567-8828-34D75B5A1121}" sibTransId="{A2E957D4-B9A8-41E8-9B88-7B884721F996}"/>
     <dgm:cxn modelId="{1FE1A904-067A-4EB4-A1BB-EEBD65BBABD7}" type="presOf" srcId="{3A8DBD30-33F4-4BF2-A3E8-CE2DB89DAAF3}" destId="{AE9493EE-4C7D-46D0-A28C-7598159ACE40}" srcOrd="0" destOrd="0" presId="urn:microsoft.com/office/officeart/2005/8/layout/bProcess2"/>
-    <dgm:cxn modelId="{7BC55D47-D5B9-4E6B-A01C-32621EBC9EAA}" type="presOf" srcId="{2076FC96-6453-4C6E-A8B1-022AF85EFBBD}" destId="{4CB13BFB-EE5C-4952-BAC5-5317E8C7FD8A}" srcOrd="0" destOrd="0" presId="urn:microsoft.com/office/officeart/2005/8/layout/bProcess2"/>
-    <dgm:cxn modelId="{C0F0325B-5D94-4F8F-A19C-E342385C7A0C}" srcId="{2076FC96-6453-4C6E-A8B1-022AF85EFBBD}" destId="{D676ACFF-D864-4A74-BC08-FFF521911366}" srcOrd="3" destOrd="0" parTransId="{BC2BCB5C-0572-4291-A81A-4826CA359DAE}" sibTransId="{1C262E3B-E95B-4C81-A044-204E3F83EF9F}"/>
-    <dgm:cxn modelId="{7A1C7AB2-B278-4CD0-8D6D-33FAF07A3F85}" type="presOf" srcId="{9FFECB61-C811-496D-9F12-F63AD9A2D9EE}" destId="{EFBF5D05-10BD-4B08-8E78-F6A085231E0E}" srcOrd="0" destOrd="0" presId="urn:microsoft.com/office/officeart/2005/8/layout/bProcess2"/>
-    <dgm:cxn modelId="{39710712-6FE3-476F-A0BC-24F557686F14}" srcId="{2076FC96-6453-4C6E-A8B1-022AF85EFBBD}" destId="{944B7687-9390-4A1A-858A-D031F080161B}" srcOrd="0" destOrd="0" parTransId="{388F90D2-8549-4567-8828-34D75B5A1121}" sibTransId="{A2E957D4-B9A8-41E8-9B88-7B884721F996}"/>
+    <dgm:cxn modelId="{E10C5AF5-8470-4875-B217-C5D2EC0BEE27}" srcId="{2076FC96-6453-4C6E-A8B1-022AF85EFBBD}" destId="{9FFECB61-C811-496D-9F12-F63AD9A2D9EE}" srcOrd="2" destOrd="0" parTransId="{0267A443-BEBA-47C3-B13F-1D20BE53CED2}" sibTransId="{81593B52-C0C7-4699-A542-14EF6A552710}"/>
     <dgm:cxn modelId="{AEAE39BD-4C94-41B0-8CE8-7BD544EC6AE1}" type="presParOf" srcId="{4CB13BFB-EE5C-4952-BAC5-5317E8C7FD8A}" destId="{756AB1AC-5B51-4BBE-B2B1-6ABFB74C10C9}" srcOrd="0" destOrd="0" presId="urn:microsoft.com/office/officeart/2005/8/layout/bProcess2"/>
     <dgm:cxn modelId="{749F995A-E309-412A-987F-CB1353CB2730}" type="presParOf" srcId="{4CB13BFB-EE5C-4952-BAC5-5317E8C7FD8A}" destId="{9AE0D100-B11F-4B8E-A83C-80C9BB67997D}" srcOrd="1" destOrd="0" presId="urn:microsoft.com/office/officeart/2005/8/layout/bProcess2"/>
     <dgm:cxn modelId="{2639D2DE-FB77-4886-AAFD-44C2A1A80029}" type="presParOf" srcId="{4CB13BFB-EE5C-4952-BAC5-5317E8C7FD8A}" destId="{A25C0F81-5BB3-4973-8F78-DEA3ED62347C}" srcOrd="2" destOrd="0" presId="urn:microsoft.com/office/officeart/2005/8/layout/bProcess2"/>
@@ -1247,14 +1247,14 @@
   <dgm:whole/>
   <dgm:extLst>
     <a:ext uri="http://schemas.microsoft.com/office/drawing/2008/diagram">
-      <dsp:dataModelExt xmlns:dsp="http://schemas.microsoft.com/office/drawing/2008/diagram" xmlns="" relId="rId7" minVer="http://schemas.openxmlformats.org/drawingml/2006/diagram"/>
+      <dsp:dataModelExt xmlns:dsp="http://schemas.microsoft.com/office/drawing/2008/diagram" relId="rId7" minVer="http://schemas.openxmlformats.org/drawingml/2006/diagram"/>
     </a:ext>
   </dgm:extLst>
 </dgm:dataModel>
 </file>
 
 <file path=ppt/diagrams/drawing1.xml><?xml version="1.0" encoding="utf-8"?>
-<dsp:drawing xmlns:dgm="http://schemas.openxmlformats.org/drawingml/2006/diagram" xmlns:a="http://schemas.openxmlformats.org/drawingml/2006/main" xmlns:dsp="http://schemas.microsoft.com/office/drawing/2008/diagram">
+<dsp:drawing xmlns:dgm="http://schemas.openxmlformats.org/drawingml/2006/diagram" xmlns:dsp="http://schemas.microsoft.com/office/drawing/2008/diagram" xmlns:a="http://schemas.openxmlformats.org/drawingml/2006/main">
   <dsp:spTree>
     <dsp:nvGrpSpPr>
       <dsp:cNvPr id="0" name=""/>
@@ -3113,7 +3113,7 @@
             <a:fld id="{31195639-3003-43D9-AD76-FA6B58D41938}" type="datetimeFigureOut">
               <a:rPr lang="de-DE" smtClean="0"/>
               <a:pPr/>
-              <a:t>18.04.2012</a:t>
+              <a:t>19.04.2012</a:t>
             </a:fld>
             <a:endParaRPr lang="de-DE"/>
           </a:p>
@@ -3284,7 +3284,7 @@
     </p:spTree>
     <p:extLst>
       <p:ext uri="{BB962C8B-B14F-4D97-AF65-F5344CB8AC3E}">
-        <p14:creationId xmlns:p14="http://schemas.microsoft.com/office/powerpoint/2010/main" xmlns="" val="1624034791"/>
+        <p14:creationId xmlns:p14="http://schemas.microsoft.com/office/powerpoint/2010/main" val="1624034791"/>
       </p:ext>
     </p:extLst>
   </p:cSld>
@@ -3425,15 +3425,59 @@
         </p:nvSpPr>
         <p:spPr/>
         <p:txBody>
-          <a:bodyPr>
-            <a:normAutofit/>
-          </a:bodyPr>
-          <a:lstStyle/>
-          <a:p>
-            <a:r>
-              <a:rPr lang="de-DE" dirty="0" smtClean="0"/>
-              <a:t>UML </a:t>
-            </a:r>
+          <a:bodyPr/>
+          <a:lstStyle/>
+          <a:p>
+            <a:r>
+              <a:rPr lang="de-DE" dirty="0" smtClean="0"/>
+              <a:t>Ziel des Projekts </a:t>
+            </a:r>
+            <a:r>
+              <a:rPr lang="de-DE" dirty="0" err="1" smtClean="0"/>
+              <a:t>Eventalizer</a:t>
+            </a:r>
+            <a:r>
+              <a:rPr lang="de-DE" dirty="0" smtClean="0"/>
+              <a:t> ist die </a:t>
+            </a:r>
+            <a:r>
+              <a:rPr lang="de-DE" sz="1200" i="1" kern="1200" dirty="0" smtClean="0">
+                <a:solidFill>
+                  <a:schemeClr val="tx1"/>
+                </a:solidFill>
+                <a:effectLst/>
+                <a:latin typeface="+mn-lt"/>
+                <a:ea typeface="+mn-ea"/>
+                <a:cs typeface="+mn-cs"/>
+              </a:rPr>
+              <a:t>Erstellung einer webbasierten Plattform zur nutzerzentrierten</a:t>
+            </a:r>
+            <a:r>
+              <a:rPr lang="de-DE" sz="1200" i="1" kern="1200" baseline="0" dirty="0" smtClean="0">
+                <a:solidFill>
+                  <a:schemeClr val="tx1"/>
+                </a:solidFill>
+                <a:effectLst/>
+                <a:latin typeface="+mn-lt"/>
+                <a:ea typeface="+mn-ea"/>
+                <a:cs typeface="+mn-cs"/>
+              </a:rPr>
+              <a:t> </a:t>
+            </a:r>
+            <a:r>
+              <a:rPr lang="de-DE" sz="1200" i="1" kern="1200" dirty="0" smtClean="0">
+                <a:solidFill>
+                  <a:schemeClr val="tx1"/>
+                </a:solidFill>
+                <a:effectLst/>
+                <a:latin typeface="+mn-lt"/>
+                <a:ea typeface="+mn-ea"/>
+                <a:cs typeface="+mn-cs"/>
+              </a:rPr>
+              <a:t>Organisation von nicht kommerziellen gemeinschaftlichen Freizeitaktivitäten.</a:t>
+            </a:r>
+          </a:p>
+          <a:p>
             <a:endParaRPr lang="de-DE" dirty="0"/>
           </a:p>
         </p:txBody>
@@ -3456,13 +3500,18 @@
             <a:fld id="{1EBFF01C-F984-4A51-AF10-254043F7C542}" type="slidenum">
               <a:rPr lang="de-DE" smtClean="0"/>
               <a:pPr/>
-              <a:t>4</a:t>
+              <a:t>3</a:t>
             </a:fld>
             <a:endParaRPr lang="de-DE"/>
           </a:p>
         </p:txBody>
       </p:sp>
     </p:spTree>
+    <p:extLst>
+      <p:ext uri="{BB962C8B-B14F-4D97-AF65-F5344CB8AC3E}">
+        <p14:creationId xmlns:p14="http://schemas.microsoft.com/office/powerpoint/2010/main" val="3860513045"/>
+      </p:ext>
+    </p:extLst>
   </p:cSld>
   <p:clrMapOvr>
     <a:masterClrMapping/>
@@ -3516,6 +3565,10 @@
           </a:bodyPr>
           <a:lstStyle/>
           <a:p>
+            <a:r>
+              <a:rPr lang="de-DE" dirty="0" smtClean="0"/>
+              <a:t>UML </a:t>
+            </a:r>
             <a:endParaRPr lang="de-DE" dirty="0"/>
           </a:p>
         </p:txBody>
@@ -3538,7 +3591,7 @@
             <a:fld id="{1EBFF01C-F984-4A51-AF10-254043F7C542}" type="slidenum">
               <a:rPr lang="de-DE" smtClean="0"/>
               <a:pPr/>
-              <a:t>18</a:t>
+              <a:t>4</a:t>
             </a:fld>
             <a:endParaRPr lang="de-DE"/>
           </a:p>
@@ -3598,46 +3651,6 @@
           </a:bodyPr>
           <a:lstStyle/>
           <a:p>
-            <a:r>
-              <a:rPr lang="de-DE" dirty="0" smtClean="0"/>
-              <a:t>Grundlegende </a:t>
-            </a:r>
-            <a:r>
-              <a:rPr lang="de-DE" dirty="0" err="1" smtClean="0"/>
-              <a:t>Risikoanlayse</a:t>
-            </a:r>
-            <a:r>
-              <a:rPr lang="de-DE" baseline="0" dirty="0" smtClean="0"/>
-              <a:t> durchgeführt</a:t>
-            </a:r>
-          </a:p>
-          <a:p>
-            <a:r>
-              <a:rPr lang="de-DE" baseline="0" dirty="0" smtClean="0"/>
-              <a:t> - Risiken Identifiziert und klassifiziert (Eintrittswahrscheinlichkeit und Auswirkungen)</a:t>
-            </a:r>
-          </a:p>
-          <a:p>
-            <a:r>
-              <a:rPr lang="de-DE" baseline="0" dirty="0" smtClean="0"/>
-              <a:t>    - betreffen Mitarbeiter und technische Probleme</a:t>
-            </a:r>
-          </a:p>
-          <a:p>
-            <a:endParaRPr lang="de-DE" baseline="0" dirty="0" smtClean="0"/>
-          </a:p>
-          <a:p>
-            <a:r>
-              <a:rPr lang="de-DE" dirty="0" smtClean="0"/>
-              <a:t> - Fokussierung der</a:t>
-            </a:r>
-            <a:r>
-              <a:rPr lang="de-DE" baseline="0" dirty="0" smtClean="0"/>
-              <a:t> Veranstaltung auf SoftwareEntwicklungsProzess, daher nicht weiter vertieft.</a:t>
-            </a:r>
-            <a:endParaRPr lang="de-DE" dirty="0" smtClean="0"/>
-          </a:p>
-          <a:p>
             <a:endParaRPr lang="de-DE" dirty="0"/>
           </a:p>
         </p:txBody>
@@ -3660,7 +3673,7 @@
             <a:fld id="{1EBFF01C-F984-4A51-AF10-254043F7C542}" type="slidenum">
               <a:rPr lang="de-DE" smtClean="0"/>
               <a:pPr/>
-              <a:t>19</a:t>
+              <a:t>18</a:t>
             </a:fld>
             <a:endParaRPr lang="de-DE"/>
           </a:p>
@@ -3722,135 +3735,44 @@
           <a:p>
             <a:r>
               <a:rPr lang="de-DE" dirty="0" smtClean="0"/>
-              <a:t>Definieren</a:t>
+              <a:t>Grundlegende </a:t>
+            </a:r>
+            <a:r>
+              <a:rPr lang="de-DE" dirty="0" err="1" smtClean="0"/>
+              <a:t>Risikoanlayse</a:t>
             </a:r>
             <a:r>
               <a:rPr lang="de-DE" baseline="0" dirty="0" smtClean="0"/>
-              <a:t> von zwei Szenarien mit Hilfe von </a:t>
-            </a:r>
-            <a:r>
-              <a:rPr lang="de-DE" baseline="0" dirty="0" err="1" smtClean="0"/>
-              <a:t>Personae</a:t>
-            </a:r>
+              <a:t> durchgeführt</a:t>
+            </a:r>
+          </a:p>
+          <a:p>
+            <a:r>
+              <a:rPr lang="de-DE" baseline="0" dirty="0" smtClean="0"/>
+              <a:t> - Risiken Identifiziert und klassifiziert (Eintrittswahrscheinlichkeit und Auswirkungen)</a:t>
+            </a:r>
+          </a:p>
+          <a:p>
+            <a:r>
+              <a:rPr lang="de-DE" baseline="0" dirty="0" smtClean="0"/>
+              <a:t>    - betreffen Mitarbeiter und technische Probleme</a:t>
+            </a:r>
+          </a:p>
+          <a:p>
             <a:endParaRPr lang="de-DE" baseline="0" dirty="0" smtClean="0"/>
           </a:p>
           <a:p>
             <a:r>
+              <a:rPr lang="de-DE" dirty="0" smtClean="0"/>
+              <a:t> - Fokussierung der</a:t>
+            </a:r>
+            <a:r>
               <a:rPr lang="de-DE" baseline="0" dirty="0" smtClean="0"/>
-              <a:t>Im Prinzip wird die gleiche Geschichte einmal aus Sicht des Event-Organisators</a:t>
-            </a:r>
-          </a:p>
-          <a:p>
-            <a:r>
-              <a:rPr lang="de-DE" baseline="0" dirty="0" smtClean="0"/>
-              <a:t>„Martin erstellt einen Event zum Go-Kart-Fahren“</a:t>
-            </a:r>
-          </a:p>
-          <a:p>
-            <a:r>
-              <a:rPr lang="de-DE" baseline="0" dirty="0" smtClean="0"/>
-              <a:t>Einmal aus Sicht des Event-Teilnehmers „Patrick nimmt an diesem Event teil“</a:t>
-            </a:r>
-          </a:p>
-          <a:p>
-            <a:endParaRPr lang="de-DE" baseline="0" dirty="0" smtClean="0"/>
-          </a:p>
-          <a:p>
-            <a:r>
-              <a:rPr lang="de-DE" baseline="0" dirty="0" smtClean="0"/>
-              <a:t>Charaktere „Martin“ und „Patrick“ Prototypen von Nutzern</a:t>
-            </a:r>
-          </a:p>
-          <a:p>
-            <a:r>
-              <a:rPr lang="de-DE" baseline="0" dirty="0" smtClean="0"/>
-              <a:t>Go-Kart-Fahren als ein Prototyp für Gruppenevents</a:t>
-            </a:r>
-          </a:p>
-          <a:p>
-            <a:endParaRPr lang="de-DE" baseline="0" dirty="0" smtClean="0"/>
-          </a:p>
-          <a:p>
-            <a:r>
-              <a:rPr lang="de-DE" baseline="0" dirty="0" err="1" smtClean="0"/>
-              <a:t>Erkenntnise</a:t>
-            </a:r>
-            <a:r>
-              <a:rPr lang="de-DE" baseline="0" dirty="0" smtClean="0"/>
-              <a:t>:</a:t>
-            </a:r>
-          </a:p>
-          <a:p>
-            <a:r>
-              <a:rPr lang="de-DE" baseline="0" dirty="0" smtClean="0"/>
-              <a:t>Neue Fragenstellungen zu Funktionen, Anforderungen, Unterstützung bei der Lastenheft- und </a:t>
-            </a:r>
-            <a:r>
-              <a:rPr lang="de-DE" baseline="0" dirty="0" err="1" smtClean="0"/>
-              <a:t>Use</a:t>
-            </a:r>
-            <a:r>
-              <a:rPr lang="de-DE" baseline="0" smtClean="0"/>
-              <a:t>-Case-Erstellung</a:t>
-            </a:r>
-            <a:endParaRPr lang="de-DE" baseline="0" dirty="0" smtClean="0"/>
-          </a:p>
-          <a:p>
-            <a:endParaRPr lang="de-DE" baseline="0" dirty="0" smtClean="0"/>
-          </a:p>
-          <a:p>
-            <a:pPr>
-              <a:buFont typeface="Symbol"/>
-              <a:buChar char="Þ"/>
-            </a:pPr>
-            <a:r>
-              <a:rPr lang="de-DE" baseline="0" dirty="0" smtClean="0"/>
-              <a:t>Aktionen / Operationen</a:t>
-            </a:r>
-          </a:p>
-          <a:p>
-            <a:pPr>
-              <a:buFont typeface="Symbol"/>
-              <a:buChar char="Þ"/>
-            </a:pPr>
-            <a:endParaRPr lang="de-DE" baseline="0" dirty="0" smtClean="0"/>
-          </a:p>
-          <a:p>
-            <a:pPr>
-              <a:buFont typeface="Symbol"/>
-              <a:buNone/>
-            </a:pPr>
-            <a:r>
-              <a:rPr lang="de-DE" baseline="0" dirty="0" smtClean="0"/>
-              <a:t>Entspricht bei UML</a:t>
-            </a:r>
-          </a:p>
-          <a:p>
-            <a:pPr>
-              <a:buFont typeface="Symbol"/>
-              <a:buChar char="Þ"/>
-            </a:pPr>
-            <a:r>
-              <a:rPr lang="de-DE" baseline="0" dirty="0" smtClean="0"/>
-              <a:t>Akteur </a:t>
-            </a:r>
-          </a:p>
-          <a:p>
-            <a:pPr>
-              <a:buFont typeface="Symbol"/>
-              <a:buChar char="Þ"/>
-            </a:pPr>
-            <a:r>
-              <a:rPr lang="de-DE" baseline="0" dirty="0" err="1" smtClean="0"/>
-              <a:t>UseCase</a:t>
-            </a:r>
-            <a:endParaRPr lang="de-DE" baseline="0" dirty="0" smtClean="0"/>
-          </a:p>
-          <a:p>
-            <a:pPr>
-              <a:buFont typeface="Symbol"/>
-              <a:buNone/>
-            </a:pPr>
+              <a:t> Veranstaltung auf SoftwareEntwicklungsProzess, daher nicht weiter vertieft.</a:t>
+            </a:r>
+            <a:endParaRPr lang="de-DE" dirty="0" smtClean="0"/>
+          </a:p>
+          <a:p>
             <a:endParaRPr lang="de-DE" dirty="0"/>
           </a:p>
         </p:txBody>
@@ -3873,7 +3795,7 @@
             <a:fld id="{1EBFF01C-F984-4A51-AF10-254043F7C542}" type="slidenum">
               <a:rPr lang="de-DE" smtClean="0"/>
               <a:pPr/>
-              <a:t>23</a:t>
+              <a:t>19</a:t>
             </a:fld>
             <a:endParaRPr lang="de-DE"/>
           </a:p>
@@ -3935,26 +3857,136 @@
           <a:p>
             <a:r>
               <a:rPr lang="de-DE" dirty="0" smtClean="0"/>
-              <a:t>Beispiel: Domänenklassendiagramm in</a:t>
+              <a:t>Definieren</a:t>
             </a:r>
             <a:r>
               <a:rPr lang="de-DE" baseline="0" dirty="0" smtClean="0"/>
-              <a:t> Anwendung gießen</a:t>
-            </a:r>
+              <a:t> von zwei Szenarien mit Hilfe von </a:t>
+            </a:r>
+            <a:r>
+              <a:rPr lang="de-DE" baseline="0" dirty="0" err="1" smtClean="0"/>
+              <a:t>Personae</a:t>
+            </a:r>
+            <a:endParaRPr lang="de-DE" baseline="0" dirty="0" smtClean="0"/>
           </a:p>
           <a:p>
             <a:r>
               <a:rPr lang="de-DE" baseline="0" dirty="0" smtClean="0"/>
-              <a:t>Technische Mock-</a:t>
-            </a:r>
+              <a:t>Im Prinzip wird die gleiche Geschichte einmal aus Sicht des Event-Organisators</a:t>
+            </a:r>
+          </a:p>
+          <a:p>
+            <a:r>
+              <a:rPr lang="de-DE" baseline="0" dirty="0" smtClean="0"/>
+              <a:t>„Martin erstellt einen Event zum Go-Kart-Fahren“</a:t>
+            </a:r>
+          </a:p>
+          <a:p>
+            <a:r>
+              <a:rPr lang="de-DE" baseline="0" dirty="0" smtClean="0"/>
+              <a:t>Einmal aus Sicht des Event-Teilnehmers „Patrick nimmt an diesem Event teil“</a:t>
+            </a:r>
+          </a:p>
+          <a:p>
+            <a:endParaRPr lang="de-DE" baseline="0" dirty="0" smtClean="0"/>
+          </a:p>
+          <a:p>
+            <a:r>
+              <a:rPr lang="de-DE" baseline="0" dirty="0" smtClean="0"/>
+              <a:t>Charaktere „Martin“ und „Patrick“ Prototypen von Nutzern</a:t>
+            </a:r>
+          </a:p>
+          <a:p>
+            <a:r>
+              <a:rPr lang="de-DE" baseline="0" dirty="0" smtClean="0"/>
+              <a:t>Go-Kart-Fahren als ein Prototyp für Gruppenevents</a:t>
+            </a:r>
+          </a:p>
+          <a:p>
+            <a:endParaRPr lang="de-DE" baseline="0" dirty="0" smtClean="0"/>
+          </a:p>
+          <a:p>
             <a:r>
               <a:rPr lang="de-DE" baseline="0" dirty="0" err="1" smtClean="0"/>
-              <a:t>Ups</a:t>
+              <a:t>Erkenntnise</a:t>
             </a:r>
             <a:r>
               <a:rPr lang="de-DE" baseline="0" dirty="0" smtClean="0"/>
-              <a:t> im Browser zeigen</a:t>
-            </a:r>
+              <a:t>:</a:t>
+            </a:r>
+          </a:p>
+          <a:p>
+            <a:r>
+              <a:rPr lang="de-DE" baseline="0" dirty="0" smtClean="0"/>
+              <a:t>Neue Fragenstellungen zu Funktionen, Anforderungen, Unterstützung bei der Lastenheft- und </a:t>
+            </a:r>
+            <a:r>
+              <a:rPr lang="de-DE" baseline="0" dirty="0" err="1" smtClean="0"/>
+              <a:t>Use</a:t>
+            </a:r>
+            <a:r>
+              <a:rPr lang="de-DE" baseline="0" smtClean="0"/>
+              <a:t>-Case-Erstellung</a:t>
+            </a:r>
+            <a:endParaRPr lang="de-DE" baseline="0" dirty="0" smtClean="0"/>
+          </a:p>
+          <a:p>
+            <a:endParaRPr lang="de-DE" baseline="0" dirty="0" smtClean="0"/>
+          </a:p>
+          <a:p>
+            <a:pPr>
+              <a:buFont typeface="Symbol"/>
+              <a:buChar char="Þ"/>
+            </a:pPr>
+            <a:r>
+              <a:rPr lang="de-DE" baseline="0" dirty="0" smtClean="0"/>
+              <a:t>Aktionen / Operationen</a:t>
+            </a:r>
+          </a:p>
+          <a:p>
+            <a:pPr>
+              <a:buFont typeface="Symbol"/>
+              <a:buChar char="Þ"/>
+            </a:pPr>
+            <a:endParaRPr lang="de-DE" baseline="0" dirty="0" smtClean="0"/>
+          </a:p>
+          <a:p>
+            <a:pPr>
+              <a:buFont typeface="Symbol"/>
+              <a:buNone/>
+            </a:pPr>
+            <a:r>
+              <a:rPr lang="de-DE" baseline="0" dirty="0" smtClean="0"/>
+              <a:t>Entspricht bei UML</a:t>
+            </a:r>
+          </a:p>
+          <a:p>
+            <a:pPr>
+              <a:buFont typeface="Symbol"/>
+              <a:buChar char="Þ"/>
+            </a:pPr>
+            <a:r>
+              <a:rPr lang="de-DE" baseline="0" dirty="0" smtClean="0"/>
+              <a:t>Akteur </a:t>
+            </a:r>
+          </a:p>
+          <a:p>
+            <a:pPr>
+              <a:buFont typeface="Symbol"/>
+              <a:buChar char="Þ"/>
+            </a:pPr>
+            <a:r>
+              <a:rPr lang="de-DE" baseline="0" dirty="0" err="1" smtClean="0"/>
+              <a:t>UseCase</a:t>
+            </a:r>
+            <a:endParaRPr lang="de-DE" baseline="0" dirty="0" smtClean="0"/>
+          </a:p>
+          <a:p>
+            <a:pPr>
+              <a:buFont typeface="Symbol"/>
+              <a:buNone/>
+            </a:pPr>
+            <a:endParaRPr lang="de-DE" dirty="0"/>
           </a:p>
         </p:txBody>
       </p:sp>
@@ -3976,7 +4008,7 @@
             <a:fld id="{1EBFF01C-F984-4A51-AF10-254043F7C542}" type="slidenum">
               <a:rPr lang="de-DE" smtClean="0"/>
               <a:pPr/>
-              <a:t>26</a:t>
+              <a:t>23</a:t>
             </a:fld>
             <a:endParaRPr lang="de-DE"/>
           </a:p>
@@ -3991,6 +4023,109 @@
 </file>
 
 <file path=ppt/notesSlides/notesSlide6.xml><?xml version="1.0" encoding="utf-8"?>
+<p:notes xmlns:a="http://schemas.openxmlformats.org/drawingml/2006/main" xmlns:r="http://schemas.openxmlformats.org/officeDocument/2006/relationships" xmlns:p="http://schemas.openxmlformats.org/presentationml/2006/main">
+  <p:cSld>
+    <p:spTree>
+      <p:nvGrpSpPr>
+        <p:cNvPr id="1" name=""/>
+        <p:cNvGrpSpPr/>
+        <p:nvPr/>
+      </p:nvGrpSpPr>
+      <p:grpSpPr>
+        <a:xfrm>
+          <a:off x="0" y="0"/>
+          <a:ext cx="0" cy="0"/>
+          <a:chOff x="0" y="0"/>
+          <a:chExt cx="0" cy="0"/>
+        </a:xfrm>
+      </p:grpSpPr>
+      <p:sp>
+        <p:nvSpPr>
+          <p:cNvPr id="2" name="Folienbildplatzhalter 1"/>
+          <p:cNvSpPr>
+            <a:spLocks noGrp="1" noRot="1" noChangeAspect="1"/>
+          </p:cNvSpPr>
+          <p:nvPr>
+            <p:ph type="sldImg"/>
+          </p:nvPr>
+        </p:nvSpPr>
+        <p:spPr/>
+      </p:sp>
+      <p:sp>
+        <p:nvSpPr>
+          <p:cNvPr id="3" name="Notizenplatzhalter 2"/>
+          <p:cNvSpPr>
+            <a:spLocks noGrp="1"/>
+          </p:cNvSpPr>
+          <p:nvPr>
+            <p:ph type="body" idx="1"/>
+          </p:nvPr>
+        </p:nvSpPr>
+        <p:spPr/>
+        <p:txBody>
+          <a:bodyPr>
+            <a:normAutofit/>
+          </a:bodyPr>
+          <a:lstStyle/>
+          <a:p>
+            <a:r>
+              <a:rPr lang="de-DE" dirty="0" smtClean="0"/>
+              <a:t>Beispiel: Domänenklassendiagramm in</a:t>
+            </a:r>
+            <a:r>
+              <a:rPr lang="de-DE" baseline="0" dirty="0" smtClean="0"/>
+              <a:t> Anwendung gießen</a:t>
+            </a:r>
+          </a:p>
+          <a:p>
+            <a:r>
+              <a:rPr lang="de-DE" baseline="0" dirty="0" smtClean="0"/>
+              <a:t>Technische Mock-</a:t>
+            </a:r>
+            <a:r>
+              <a:rPr lang="de-DE" baseline="0" dirty="0" err="1" smtClean="0"/>
+              <a:t>Ups</a:t>
+            </a:r>
+            <a:r>
+              <a:rPr lang="de-DE" baseline="0" dirty="0" smtClean="0"/>
+              <a:t> im Browser zeigen</a:t>
+            </a:r>
+          </a:p>
+        </p:txBody>
+      </p:sp>
+      <p:sp>
+        <p:nvSpPr>
+          <p:cNvPr id="4" name="Foliennummernplatzhalter 3"/>
+          <p:cNvSpPr>
+            <a:spLocks noGrp="1"/>
+          </p:cNvSpPr>
+          <p:nvPr>
+            <p:ph type="sldNum" sz="quarter" idx="10"/>
+          </p:nvPr>
+        </p:nvSpPr>
+        <p:spPr/>
+        <p:txBody>
+          <a:bodyPr/>
+          <a:lstStyle/>
+          <a:p>
+            <a:fld id="{1EBFF01C-F984-4A51-AF10-254043F7C542}" type="slidenum">
+              <a:rPr lang="de-DE" smtClean="0"/>
+              <a:pPr/>
+              <a:t>26</a:t>
+            </a:fld>
+            <a:endParaRPr lang="de-DE"/>
+          </a:p>
+        </p:txBody>
+      </p:sp>
+    </p:spTree>
+  </p:cSld>
+  <p:clrMapOvr>
+    <a:masterClrMapping/>
+  </p:clrMapOvr>
+</p:notes>
+</file>
+
+<file path=ppt/notesSlides/notesSlide7.xml><?xml version="1.0" encoding="utf-8"?>
 <p:notes xmlns:a="http://schemas.openxmlformats.org/drawingml/2006/main" xmlns:r="http://schemas.openxmlformats.org/officeDocument/2006/relationships" xmlns:p="http://schemas.openxmlformats.org/presentationml/2006/main">
   <p:cSld>
     <p:spTree>
@@ -6923,7 +7058,7 @@
             <a:lum/>
             <a:extLst>
               <a:ext uri="{28A0092B-C50C-407E-A947-70E740481C1C}">
-                <a14:useLocalDpi xmlns:a14="http://schemas.microsoft.com/office/drawing/2010/main" xmlns="" val="0"/>
+                <a14:useLocalDpi xmlns:a14="http://schemas.microsoft.com/office/drawing/2010/main" val="0"/>
               </a:ext>
             </a:extLst>
           </a:blip>
@@ -10513,7 +10648,7 @@
           <a:blip r:embed="rId4" cstate="print">
             <a:extLst>
               <a:ext uri="{BEBA8EAE-BF5A-486C-A8C5-ECC9F3942E4B}">
-                <a14:imgProps xmlns:a14="http://schemas.microsoft.com/office/drawing/2010/main" xmlns="">
+                <a14:imgProps xmlns:a14="http://schemas.microsoft.com/office/drawing/2010/main">
                   <a14:imgLayer r:embed="rId5">
                     <a14:imgEffect>
                       <a14:colorTemperature colorTemp="11200"/>
@@ -10550,7 +10685,7 @@
     </p:spTree>
     <p:extLst>
       <p:ext uri="{BB962C8B-B14F-4D97-AF65-F5344CB8AC3E}">
-        <p14:creationId xmlns:p14="http://schemas.microsoft.com/office/powerpoint/2010/main" xmlns="" val="3440238054"/>
+        <p14:creationId xmlns:p14="http://schemas.microsoft.com/office/powerpoint/2010/main" val="3440238054"/>
       </p:ext>
     </p:extLst>
   </p:cSld>
@@ -11353,6 +11488,7 @@
               <a:rPr lang="de-DE" dirty="0" smtClean="0"/>
               <a:t>Freizeitaktivitäten</a:t>
             </a:r>
+            <a:endParaRPr lang="de-DE" dirty="0" smtClean="0"/>
           </a:p>
           <a:p>
             <a:r>
@@ -11405,7 +11541,7 @@
           <p:nvPr/>
         </p:nvPicPr>
         <p:blipFill>
-          <a:blip r:embed="rId2" cstate="print">
+          <a:blip r:embed="rId3" cstate="print">
             <a:clrChange>
               <a:clrFrom>
                 <a:srgbClr val="FCFCFA"/>
